--- a/Week-4-Task/LASSO REGRESSION presentation.pptx
+++ b/Week-4-Task/LASSO REGRESSION presentation.pptx
@@ -265,7 +265,7 @@
           <a:p>
             <a:fld id="{1ACC0120-6793-4286-9E6F-4EEC18B3AA5C}" type="datetimeFigureOut">
               <a:rPr lang="en-IN" smtClean="0"/>
-              <a:t>24-02-2023</a:t>
+              <a:t>26-02-2023</a:t>
             </a:fld>
             <a:endParaRPr lang="en-IN"/>
           </a:p>
@@ -465,7 +465,7 @@
           <a:p>
             <a:fld id="{1ACC0120-6793-4286-9E6F-4EEC18B3AA5C}" type="datetimeFigureOut">
               <a:rPr lang="en-IN" smtClean="0"/>
-              <a:t>24-02-2023</a:t>
+              <a:t>26-02-2023</a:t>
             </a:fld>
             <a:endParaRPr lang="en-IN"/>
           </a:p>
@@ -675,7 +675,7 @@
           <a:p>
             <a:fld id="{1ACC0120-6793-4286-9E6F-4EEC18B3AA5C}" type="datetimeFigureOut">
               <a:rPr lang="en-IN" smtClean="0"/>
-              <a:t>24-02-2023</a:t>
+              <a:t>26-02-2023</a:t>
             </a:fld>
             <a:endParaRPr lang="en-IN"/>
           </a:p>
@@ -875,7 +875,7 @@
           <a:p>
             <a:fld id="{1ACC0120-6793-4286-9E6F-4EEC18B3AA5C}" type="datetimeFigureOut">
               <a:rPr lang="en-IN" smtClean="0"/>
-              <a:t>24-02-2023</a:t>
+              <a:t>26-02-2023</a:t>
             </a:fld>
             <a:endParaRPr lang="en-IN"/>
           </a:p>
@@ -1151,7 +1151,7 @@
           <a:p>
             <a:fld id="{1ACC0120-6793-4286-9E6F-4EEC18B3AA5C}" type="datetimeFigureOut">
               <a:rPr lang="en-IN" smtClean="0"/>
-              <a:t>24-02-2023</a:t>
+              <a:t>26-02-2023</a:t>
             </a:fld>
             <a:endParaRPr lang="en-IN"/>
           </a:p>
@@ -1419,7 +1419,7 @@
           <a:p>
             <a:fld id="{1ACC0120-6793-4286-9E6F-4EEC18B3AA5C}" type="datetimeFigureOut">
               <a:rPr lang="en-IN" smtClean="0"/>
-              <a:t>24-02-2023</a:t>
+              <a:t>26-02-2023</a:t>
             </a:fld>
             <a:endParaRPr lang="en-IN"/>
           </a:p>
@@ -1834,7 +1834,7 @@
           <a:p>
             <a:fld id="{1ACC0120-6793-4286-9E6F-4EEC18B3AA5C}" type="datetimeFigureOut">
               <a:rPr lang="en-IN" smtClean="0"/>
-              <a:t>24-02-2023</a:t>
+              <a:t>26-02-2023</a:t>
             </a:fld>
             <a:endParaRPr lang="en-IN"/>
           </a:p>
@@ -1976,7 +1976,7 @@
           <a:p>
             <a:fld id="{1ACC0120-6793-4286-9E6F-4EEC18B3AA5C}" type="datetimeFigureOut">
               <a:rPr lang="en-IN" smtClean="0"/>
-              <a:t>24-02-2023</a:t>
+              <a:t>26-02-2023</a:t>
             </a:fld>
             <a:endParaRPr lang="en-IN"/>
           </a:p>
@@ -2089,7 +2089,7 @@
           <a:p>
             <a:fld id="{1ACC0120-6793-4286-9E6F-4EEC18B3AA5C}" type="datetimeFigureOut">
               <a:rPr lang="en-IN" smtClean="0"/>
-              <a:t>24-02-2023</a:t>
+              <a:t>26-02-2023</a:t>
             </a:fld>
             <a:endParaRPr lang="en-IN"/>
           </a:p>
@@ -2402,7 +2402,7 @@
           <a:p>
             <a:fld id="{1ACC0120-6793-4286-9E6F-4EEC18B3AA5C}" type="datetimeFigureOut">
               <a:rPr lang="en-IN" smtClean="0"/>
-              <a:t>24-02-2023</a:t>
+              <a:t>26-02-2023</a:t>
             </a:fld>
             <a:endParaRPr lang="en-IN"/>
           </a:p>
@@ -2691,7 +2691,7 @@
           <a:p>
             <a:fld id="{1ACC0120-6793-4286-9E6F-4EEC18B3AA5C}" type="datetimeFigureOut">
               <a:rPr lang="en-IN" smtClean="0"/>
-              <a:t>24-02-2023</a:t>
+              <a:t>26-02-2023</a:t>
             </a:fld>
             <a:endParaRPr lang="en-IN"/>
           </a:p>
@@ -2934,7 +2934,7 @@
           <a:p>
             <a:fld id="{1ACC0120-6793-4286-9E6F-4EEC18B3AA5C}" type="datetimeFigureOut">
               <a:rPr lang="en-IN" smtClean="0"/>
-              <a:t>24-02-2023</a:t>
+              <a:t>26-02-2023</a:t>
             </a:fld>
             <a:endParaRPr lang="en-IN"/>
           </a:p>
@@ -5128,7 +5128,7 @@
             <p:ph idx="1"/>
             <p:extLst>
               <p:ext uri="{D42A27DB-BD31-4B8C-83A1-F6EECF244321}">
-                <p14:modId xmlns:p14="http://schemas.microsoft.com/office/powerpoint/2010/main" val="1828861994"/>
+                <p14:modId xmlns:p14="http://schemas.microsoft.com/office/powerpoint/2010/main" val="3668447335"/>
               </p:ext>
             </p:extLst>
           </p:nvPr>
@@ -5493,7 +5493,7 @@
                       <a:pPr algn="ctr"/>
                       <a:r>
                         <a:rPr lang="en-IN" dirty="0"/>
-                        <a:t>MSE = 31.72</a:t>
+                        <a:t>MSE = 26.95</a:t>
                       </a:r>
                     </a:p>
                   </a:txBody>
@@ -5572,8 +5572,13 @@
                       <a:pPr algn="ctr"/>
                       <a:r>
                         <a:rPr lang="en-IN" dirty="0"/>
-                        <a:t>RMSE = 5.63</a:t>
+                        <a:t>RMSE </a:t>
                       </a:r>
+                      <a:r>
+                        <a:rPr lang="en-IN"/>
+                        <a:t>= 5.19</a:t>
+                      </a:r>
+                      <a:endParaRPr lang="en-IN" dirty="0"/>
                     </a:p>
                   </a:txBody>
                   <a:tcPr anchor="ctr"/>
